--- a/How to Train your dragon.pptx
+++ b/How to Train your dragon.pptx
@@ -8611,6 +8611,48 @@
           </a:graphicData>
         </a:graphic>
       </p:graphicFrame>
+      <p:sp>
+        <p:nvSpPr>
+          <p:cNvPr id="3" name="TextBox 2">
+            <a:extLst>
+              <a:ext uri="{FF2B5EF4-FFF2-40B4-BE49-F238E27FC236}">
+                <a16:creationId xmlns:a16="http://schemas.microsoft.com/office/drawing/2014/main" id="{CEC0A555-35DD-476B-8676-EC89471EA29F}"/>
+              </a:ext>
+            </a:extLst>
+          </p:cNvPr>
+          <p:cNvSpPr txBox="1"/>
+          <p:nvPr/>
+        </p:nvSpPr>
+        <p:spPr>
+          <a:xfrm>
+            <a:off x="535709" y="4054764"/>
+            <a:ext cx="2721813" cy="369332"/>
+          </a:xfrm>
+          <a:prstGeom prst="rect">
+            <a:avLst/>
+          </a:prstGeom>
+          <a:noFill/>
+        </p:spPr>
+        <p:txBody>
+          <a:bodyPr wrap="square" rtlCol="0">
+            <a:spAutoFit/>
+          </a:bodyPr>
+          <a:lstStyle/>
+          <a:p>
+            <a:r>
+              <a:rPr lang="en-US" dirty="0"/>
+              <a:t>Data Sources Profiling </a:t>
+            </a:r>
+            <a:r>
+              <a:rPr lang="en-US" dirty="0">
+                <a:hlinkClick r:id="rId7"/>
+              </a:rPr>
+              <a:t>link</a:t>
+            </a:r>
+            <a:endParaRPr lang="en-IN" dirty="0"/>
+          </a:p>
+        </p:txBody>
+      </p:sp>
     </p:spTree>
     <p:extLst>
       <p:ext uri="{BB962C8B-B14F-4D97-AF65-F5344CB8AC3E}">

--- a/How to Train your dragon.pptx
+++ b/How to Train your dragon.pptx
@@ -3019,7 +3019,7 @@
           <a:p>
             <a:fld id="{51B31C77-C4DD-4AA9-95FC-DB37215C409E}" type="datetimeFigureOut">
               <a:rPr lang="en-IN" smtClean="0"/>
-              <a:t>25-05-2020</a:t>
+              <a:t>26-05-2020</a:t>
             </a:fld>
             <a:endParaRPr lang="en-IN"/>
           </a:p>
@@ -3230,7 +3230,7 @@
           <a:p>
             <a:fld id="{51B31C77-C4DD-4AA9-95FC-DB37215C409E}" type="datetimeFigureOut">
               <a:rPr lang="en-IN" smtClean="0"/>
-              <a:t>25-05-2020</a:t>
+              <a:t>26-05-2020</a:t>
             </a:fld>
             <a:endParaRPr lang="en-IN"/>
           </a:p>
@@ -3445,7 +3445,7 @@
           <a:p>
             <a:fld id="{51B31C77-C4DD-4AA9-95FC-DB37215C409E}" type="datetimeFigureOut">
               <a:rPr lang="en-IN" smtClean="0"/>
-              <a:t>25-05-2020</a:t>
+              <a:t>26-05-2020</a:t>
             </a:fld>
             <a:endParaRPr lang="en-IN"/>
           </a:p>
@@ -3646,7 +3646,7 @@
           <a:p>
             <a:fld id="{51B31C77-C4DD-4AA9-95FC-DB37215C409E}" type="datetimeFigureOut">
               <a:rPr lang="en-IN" smtClean="0"/>
-              <a:t>25-05-2020</a:t>
+              <a:t>26-05-2020</a:t>
             </a:fld>
             <a:endParaRPr lang="en-IN"/>
           </a:p>
@@ -3925,7 +3925,7 @@
           <a:p>
             <a:fld id="{51B31C77-C4DD-4AA9-95FC-DB37215C409E}" type="datetimeFigureOut">
               <a:rPr lang="en-IN" smtClean="0"/>
-              <a:t>25-05-2020</a:t>
+              <a:t>26-05-2020</a:t>
             </a:fld>
             <a:endParaRPr lang="en-IN"/>
           </a:p>
@@ -4193,7 +4193,7 @@
           <a:p>
             <a:fld id="{51B31C77-C4DD-4AA9-95FC-DB37215C409E}" type="datetimeFigureOut">
               <a:rPr lang="en-IN" smtClean="0"/>
-              <a:t>25-05-2020</a:t>
+              <a:t>26-05-2020</a:t>
             </a:fld>
             <a:endParaRPr lang="en-IN"/>
           </a:p>
@@ -4609,7 +4609,7 @@
           <a:p>
             <a:fld id="{51B31C77-C4DD-4AA9-95FC-DB37215C409E}" type="datetimeFigureOut">
               <a:rPr lang="en-IN" smtClean="0"/>
-              <a:t>25-05-2020</a:t>
+              <a:t>26-05-2020</a:t>
             </a:fld>
             <a:endParaRPr lang="en-IN"/>
           </a:p>
@@ -4758,7 +4758,7 @@
           <a:p>
             <a:fld id="{51B31C77-C4DD-4AA9-95FC-DB37215C409E}" type="datetimeFigureOut">
               <a:rPr lang="en-IN" smtClean="0"/>
-              <a:t>25-05-2020</a:t>
+              <a:t>26-05-2020</a:t>
             </a:fld>
             <a:endParaRPr lang="en-IN"/>
           </a:p>
@@ -4884,7 +4884,7 @@
           <a:p>
             <a:fld id="{51B31C77-C4DD-4AA9-95FC-DB37215C409E}" type="datetimeFigureOut">
               <a:rPr lang="en-IN" smtClean="0"/>
-              <a:t>25-05-2020</a:t>
+              <a:t>26-05-2020</a:t>
             </a:fld>
             <a:endParaRPr lang="en-IN"/>
           </a:p>
@@ -5135,7 +5135,7 @@
           <a:p>
             <a:fld id="{51B31C77-C4DD-4AA9-95FC-DB37215C409E}" type="datetimeFigureOut">
               <a:rPr lang="en-IN" smtClean="0"/>
-              <a:t>25-05-2020</a:t>
+              <a:t>26-05-2020</a:t>
             </a:fld>
             <a:endParaRPr lang="en-IN"/>
           </a:p>
@@ -5580,7 +5580,7 @@
           <a:p>
             <a:fld id="{51B31C77-C4DD-4AA9-95FC-DB37215C409E}" type="datetimeFigureOut">
               <a:rPr lang="en-IN" smtClean="0"/>
-              <a:t>25-05-2020</a:t>
+              <a:t>26-05-2020</a:t>
             </a:fld>
             <a:endParaRPr lang="en-IN"/>
           </a:p>
@@ -5907,7 +5907,7 @@
           <a:p>
             <a:fld id="{51B31C77-C4DD-4AA9-95FC-DB37215C409E}" type="datetimeFigureOut">
               <a:rPr lang="en-IN" smtClean="0"/>
-              <a:t>25-05-2020</a:t>
+              <a:t>26-05-2020</a:t>
             </a:fld>
             <a:endParaRPr lang="en-IN"/>
           </a:p>
@@ -7766,7 +7766,7 @@
         </p:nvSpPr>
         <p:spPr>
           <a:xfrm>
-            <a:off x="4062127" y="87552"/>
+            <a:off x="4163727" y="1029661"/>
             <a:ext cx="7729823" cy="6513273"/>
           </a:xfrm>
         </p:spPr>
@@ -8083,6 +8083,141 @@
                 <a:srgbClr val="FFFFFF"/>
               </a:solidFill>
             </a:endParaRPr>
+          </a:p>
+        </p:txBody>
+      </p:sp>
+      <p:sp>
+        <p:nvSpPr>
+          <p:cNvPr id="3" name="TextBox 2">
+            <a:extLst>
+              <a:ext uri="{FF2B5EF4-FFF2-40B4-BE49-F238E27FC236}">
+                <a16:creationId xmlns:a16="http://schemas.microsoft.com/office/drawing/2014/main" id="{DAD2A337-92A7-4BDA-8C43-F2048F744C8D}"/>
+              </a:ext>
+            </a:extLst>
+          </p:cNvPr>
+          <p:cNvSpPr txBox="1"/>
+          <p:nvPr/>
+        </p:nvSpPr>
+        <p:spPr>
+          <a:xfrm>
+            <a:off x="4280117" y="1371599"/>
+            <a:ext cx="7693891" cy="4524315"/>
+          </a:xfrm>
+          <a:prstGeom prst="rect">
+            <a:avLst/>
+          </a:prstGeom>
+          <a:noFill/>
+        </p:spPr>
+        <p:txBody>
+          <a:bodyPr wrap="square" rtlCol="0">
+            <a:spAutoFit/>
+          </a:bodyPr>
+          <a:lstStyle/>
+          <a:p>
+            <a:pPr marL="342900" indent="-342900">
+              <a:buAutoNum type="arabicPeriod"/>
+            </a:pPr>
+            <a:r>
+              <a:rPr lang="en-US" dirty="0"/>
+              <a:t>Main model was inspired from this code:</a:t>
+            </a:r>
+          </a:p>
+          <a:p>
+            <a:pPr marL="800100" lvl="1" indent="-342900">
+              <a:buAutoNum type="arabicPeriod"/>
+            </a:pPr>
+            <a:r>
+              <a:rPr lang="en-IN" dirty="0">
+                <a:hlinkClick r:id="rId2"/>
+              </a:rPr>
+              <a:t>https://github.com/milesial/Pytorch-UNet</a:t>
+            </a:r>
+            <a:endParaRPr lang="en-IN" dirty="0"/>
+          </a:p>
+          <a:p>
+            <a:pPr marL="342900" indent="-342900">
+              <a:buAutoNum type="arabicPeriod"/>
+            </a:pPr>
+            <a:r>
+              <a:rPr lang="en-IN" dirty="0"/>
+              <a:t>Papers that really helped to understand Monocular depth estimation:</a:t>
+            </a:r>
+          </a:p>
+          <a:p>
+            <a:pPr marL="800100" lvl="1" indent="-342900">
+              <a:buAutoNum type="arabicPeriod"/>
+            </a:pPr>
+            <a:r>
+              <a:rPr lang="en-IN" dirty="0" err="1"/>
+              <a:t>UnsupervisedMonocular</a:t>
+            </a:r>
+            <a:r>
+              <a:rPr lang="en-IN" dirty="0"/>
+              <a:t> Depth Estimation with Left-Right Consistency.</a:t>
+            </a:r>
+          </a:p>
+          <a:p>
+            <a:pPr marL="800100" lvl="1" indent="-342900">
+              <a:buAutoNum type="arabicPeriod"/>
+            </a:pPr>
+            <a:r>
+              <a:rPr lang="en-IN" dirty="0"/>
+              <a:t>Unsupervised CNN for Single View Depth Estimation: Geometry to the Rescue </a:t>
+            </a:r>
+          </a:p>
+          <a:p>
+            <a:pPr marL="800100" lvl="1" indent="-342900">
+              <a:buAutoNum type="arabicPeriod"/>
+            </a:pPr>
+            <a:r>
+              <a:rPr lang="en-IN" dirty="0"/>
+              <a:t>Depth Map Prediction from a Single Image using a Multi-Scale Deep Network</a:t>
+            </a:r>
+          </a:p>
+          <a:p>
+            <a:pPr marL="800100" lvl="1" indent="-342900">
+              <a:buAutoNum type="arabicPeriod"/>
+            </a:pPr>
+            <a:r>
+              <a:rPr lang="en-IN" dirty="0"/>
+              <a:t>Original U-Net paper: U-Net: Convolutional Networks for Biomedical Image Segmentation</a:t>
+            </a:r>
+          </a:p>
+          <a:p>
+            <a:pPr marL="800100" lvl="1" indent="-342900">
+              <a:buAutoNum type="arabicPeriod"/>
+            </a:pPr>
+            <a:r>
+              <a:rPr lang="en-IN" dirty="0">
+                <a:hlinkClick r:id="rId3"/>
+              </a:rPr>
+              <a:t>https://lars76.github.io/neural-networks/object-detection/losses-for-segmentation/</a:t>
+            </a:r>
+            <a:r>
+              <a:rPr lang="en-IN" dirty="0"/>
+              <a:t> (Awesome details on variety of loss functions)</a:t>
+            </a:r>
+          </a:p>
+          <a:p>
+            <a:pPr marL="800100" lvl="1" indent="-342900">
+              <a:buAutoNum type="arabicPeriod"/>
+            </a:pPr>
+            <a:r>
+              <a:rPr lang="en-IN" dirty="0"/>
+              <a:t>EVA4 community discussions and of course Rohan Shravan for all the mentoring.</a:t>
+            </a:r>
+          </a:p>
+          <a:p>
+            <a:pPr marL="800100" lvl="1" indent="-342900">
+              <a:buAutoNum type="arabicPeriod"/>
+            </a:pPr>
+            <a:endParaRPr lang="en-IN" dirty="0"/>
+          </a:p>
+          <a:p>
+            <a:pPr marL="800100" lvl="1" indent="-342900">
+              <a:buAutoNum type="arabicPeriod"/>
+            </a:pPr>
+            <a:endParaRPr lang="en-IN" dirty="0"/>
           </a:p>
         </p:txBody>
       </p:sp>
@@ -9636,13 +9771,7 @@
               <a:rPr lang="en-US" b="1" dirty="0">
                 <a:hlinkClick r:id="rId6"/>
               </a:rPr>
-              <a:t>Link</a:t>
-            </a:r>
-            <a:r>
-              <a:rPr lang="en-US" b="1" dirty="0">
-                <a:hlinkClick r:id="rId6"/>
-              </a:rPr>
-              <a:t>:</a:t>
+              <a:t>Link:</a:t>
             </a:r>
             <a:endParaRPr lang="en-US" b="1" dirty="0"/>
           </a:p>
@@ -12784,7 +12913,7 @@
         <p:spPr>
           <a:xfrm>
             <a:off x="9439419" y="861508"/>
-            <a:ext cx="2660217" cy="2862322"/>
+            <a:ext cx="2660217" cy="3970318"/>
           </a:xfrm>
           <a:prstGeom prst="rect">
             <a:avLst/>
@@ -12856,6 +12985,22 @@
               <a:rPr lang="en-IN" dirty="0"/>
               <a:t>:</a:t>
             </a:r>
+          </a:p>
+          <a:p>
+            <a:endParaRPr lang="en-IN" dirty="0"/>
+          </a:p>
+          <a:p>
+            <a:r>
+              <a:rPr lang="en-IN" dirty="0"/>
+              <a:t>Results of various loss functions are present in this </a:t>
+            </a:r>
+            <a:r>
+              <a:rPr lang="en-IN" dirty="0">
+                <a:hlinkClick r:id="rId3"/>
+              </a:rPr>
+              <a:t>link</a:t>
+            </a:r>
+            <a:endParaRPr lang="en-IN" dirty="0"/>
           </a:p>
           <a:p>
             <a:endParaRPr lang="en-IN" dirty="0"/>
@@ -12941,7 +13086,7 @@
         <p:spPr>
           <a:xfrm>
             <a:off x="535709" y="1222517"/>
-            <a:ext cx="3999346" cy="2308324"/>
+            <a:ext cx="3999346" cy="4524315"/>
           </a:xfrm>
           <a:prstGeom prst="rect">
             <a:avLst/>
@@ -12979,7 +13124,7 @@
             </a:pPr>
             <a:r>
               <a:rPr lang="en-US" dirty="0"/>
-              <a:t>SSIM Loss takes a whopping 56ms per call </a:t>
+              <a:t>SSIM Loss takes a whopping 56ms per call, around 20% of run-time </a:t>
             </a:r>
           </a:p>
           <a:p>
@@ -12989,6 +13134,51 @@
             <a:r>
               <a:rPr lang="en-US" dirty="0"/>
               <a:t>Any .item() call causes CUDA synchronization which consumes ~171ms</a:t>
+            </a:r>
+          </a:p>
+          <a:p>
+            <a:pPr marL="342900" indent="-342900">
+              <a:buAutoNum type="arabicPeriod"/>
+            </a:pPr>
+            <a:r>
+              <a:rPr lang="en-US" dirty="0" err="1"/>
+              <a:t>Dataloaders</a:t>
+            </a:r>
+            <a:r>
+              <a:rPr lang="en-US" dirty="0"/>
+              <a:t> take nearly 3-8% of total time and most of the time is spent in thread lock</a:t>
+            </a:r>
+          </a:p>
+          <a:p>
+            <a:pPr marL="342900" indent="-342900">
+              <a:buAutoNum type="arabicPeriod"/>
+            </a:pPr>
+            <a:r>
+              <a:rPr lang="en-US" dirty="0"/>
+              <a:t>Further details can be found here:</a:t>
+            </a:r>
+          </a:p>
+          <a:p>
+            <a:pPr marL="800100" lvl="1" indent="-342900">
+              <a:buAutoNum type="arabicPeriod"/>
+            </a:pPr>
+            <a:r>
+              <a:rPr lang="en-IN" dirty="0">
+                <a:hlinkClick r:id="rId2"/>
+              </a:rPr>
+              <a:t>https://github.com/rajy4683/S15FinalSubmission/blob/master/Profiling.xlsx</a:t>
+            </a:r>
+            <a:endParaRPr lang="en-IN" dirty="0"/>
+          </a:p>
+          <a:p>
+            <a:pPr marL="800100" lvl="1" indent="-342900">
+              <a:buAutoNum type="arabicPeriod"/>
+            </a:pPr>
+            <a:r>
+              <a:rPr lang="en-IN" dirty="0">
+                <a:hlinkClick r:id="rId3"/>
+              </a:rPr>
+              <a:t>Profiling Notebook</a:t>
             </a:r>
             <a:endParaRPr lang="en-IN" dirty="0"/>
           </a:p>
@@ -18636,12 +18826,12 @@
                     <a:p>
                       <a:pPr algn="r" fontAlgn="b"/>
                       <a:r>
-                        <a:rPr lang="en-IN" sz="1100" u="none" strike="noStrike">
+                        <a:rPr lang="en-IN" sz="1100" u="none" strike="noStrike" dirty="0">
                           <a:effectLst/>
                         </a:rPr>
                         <a:t>0</a:t>
                       </a:r>
-                      <a:endParaRPr lang="en-IN" sz="1100" b="0" i="0" u="none" strike="noStrike">
+                      <a:endParaRPr lang="en-IN" sz="1100" b="0" i="0" u="none" strike="noStrike" dirty="0">
                         <a:solidFill>
                           <a:srgbClr val="000000"/>
                         </a:solidFill>
